--- a/자바 발표.pptx
+++ b/자바 발표.pptx
@@ -5,11 +5,16 @@
     <p:sldMasterId id="2147483648" r:id="rId1"/>
   </p:sldMasterIdLst>
   <p:notesMasterIdLst>
-    <p:notesMasterId r:id="rId4"/>
+    <p:notesMasterId r:id="rId9"/>
   </p:notesMasterIdLst>
   <p:sldIdLst>
     <p:sldId id="256" r:id="rId2"/>
     <p:sldId id="257" r:id="rId3"/>
+    <p:sldId id="258" r:id="rId4"/>
+    <p:sldId id="259" r:id="rId5"/>
+    <p:sldId id="260" r:id="rId6"/>
+    <p:sldId id="261" r:id="rId7"/>
+    <p:sldId id="262" r:id="rId8"/>
   </p:sldIdLst>
   <p:sldSz cx="12192000" cy="6858000"/>
   <p:notesSz cx="6858000" cy="9144000"/>
@@ -108,7 +113,41 @@
       </a:defRPr>
     </a:lvl9pPr>
   </p:defaultTextStyle>
+  <p:extLst>
+    <p:ext uri="{EFAFB233-063F-42B5-8137-9DF3F51BA10A}">
+      <p15:sldGuideLst xmlns:p15="http://schemas.microsoft.com/office/powerpoint/2012/main"/>
+    </p:ext>
+    <p:ext uri="{2D200454-40CA-4A62-9FC3-DE9A4176ACB9}">
+      <p15:notesGuideLst xmlns:p15="http://schemas.microsoft.com/office/powerpoint/2012/main"/>
+    </p:ext>
+  </p:extLst>
 </p:presentation>
+</file>
+
+<file path=ppt/commentAuthors.xml><?xml version="1.0" encoding="utf-8"?>
+<p:cmAuthorLst xmlns:a="http://schemas.openxmlformats.org/drawingml/2006/main" xmlns:r="http://schemas.openxmlformats.org/officeDocument/2006/relationships" xmlns:p="http://schemas.openxmlformats.org/presentationml/2006/main">
+  <p:cmAuthor id="1" name="R oot" initials="Ro" lastIdx="1" clrIdx="0">
+    <p:extLst>
+      <p:ext uri="{19B8F6BF-5375-455C-9EA6-DF929625EA0E}">
+        <p15:presenceInfo xmlns:p15="http://schemas.microsoft.com/office/powerpoint/2012/main" userId="R oot" providerId="None"/>
+      </p:ext>
+    </p:extLst>
+  </p:cmAuthor>
+</p:cmAuthorLst>
+</file>
+
+<file path=ppt/comments/comment1.xml><?xml version="1.0" encoding="utf-8"?>
+<p:cmLst xmlns:a="http://schemas.openxmlformats.org/drawingml/2006/main" xmlns:r="http://schemas.openxmlformats.org/officeDocument/2006/relationships" xmlns:p="http://schemas.openxmlformats.org/presentationml/2006/main">
+  <p:cm authorId="1" dt="2020-08-23T21:30:17.970" idx="1">
+    <p:pos x="10" y="10"/>
+    <p:text/>
+    <p:extLst>
+      <p:ext uri="{C676402C-5697-4E1C-873F-D02D1690AC5C}">
+        <p15:threadingInfo xmlns:p15="http://schemas.microsoft.com/office/powerpoint/2012/main" timeZoneBias="-540"/>
+      </p:ext>
+    </p:extLst>
+  </p:cm>
+</p:cmLst>
 </file>
 
 <file path=ppt/notesMasters/notesMaster1.xml><?xml version="1.0" encoding="utf-8"?>
@@ -193,7 +232,7 @@
           <a:p>
             <a:fld id="{27DF717E-5C16-4F66-8B9A-E12FC128BB44}" type="datetimeFigureOut">
               <a:rPr lang="ko-KR" altLang="en-US" smtClean="0"/>
-              <a:t>2020-08-22</a:t>
+              <a:t>2020-08-23</a:t>
             </a:fld>
             <a:endParaRPr lang="ko-KR" altLang="en-US"/>
           </a:p>
@@ -621,7 +660,7 @@
             <a:fld id="{B119D69E-45C4-41EB-959B-466A1E71785D}" type="datetimeFigureOut">
               <a:rPr lang="ko-KR" altLang="en-US" smtClean="0"/>
               <a:pPr/>
-              <a:t>2020-08-22</a:t>
+              <a:t>2020-08-23</a:t>
             </a:fld>
             <a:endParaRPr lang="ko-KR" altLang="en-US"/>
           </a:p>
@@ -834,7 +873,7 @@
           <a:p>
             <a:fld id="{B119D69E-45C4-41EB-959B-466A1E71785D}" type="datetimeFigureOut">
               <a:rPr lang="ko-KR" altLang="en-US" smtClean="0"/>
-              <a:t>2020-08-22</a:t>
+              <a:t>2020-08-23</a:t>
             </a:fld>
             <a:endParaRPr lang="ko-KR" altLang="en-US"/>
           </a:p>
@@ -1042,7 +1081,7 @@
           <a:p>
             <a:fld id="{B119D69E-45C4-41EB-959B-466A1E71785D}" type="datetimeFigureOut">
               <a:rPr lang="ko-KR" altLang="en-US" smtClean="0"/>
-              <a:t>2020-08-22</a:t>
+              <a:t>2020-08-23</a:t>
             </a:fld>
             <a:endParaRPr lang="ko-KR" altLang="en-US"/>
           </a:p>
@@ -1286,7 +1325,7 @@
             <a:fld id="{B119D69E-45C4-41EB-959B-466A1E71785D}" type="datetimeFigureOut">
               <a:rPr lang="ko-KR" altLang="en-US" smtClean="0"/>
               <a:pPr/>
-              <a:t>2020-08-22</a:t>
+              <a:t>2020-08-23</a:t>
             </a:fld>
             <a:endParaRPr lang="ko-KR" altLang="en-US"/>
           </a:p>
@@ -1417,7 +1456,10 @@
           <a:bodyPr anchor="b"/>
           <a:lstStyle>
             <a:lvl1pPr>
-              <a:defRPr sz="6000"/>
+              <a:defRPr sz="6000">
+                <a:latin typeface="나눔바른고딕" panose="020B0603020101020101" pitchFamily="50" charset="-127"/>
+                <a:ea typeface="나눔바른고딕" panose="020B0603020101020101" pitchFamily="50" charset="-127"/>
+              </a:defRPr>
             </a:lvl1pPr>
           </a:lstStyle>
           <a:p>
@@ -1461,6 +1503,8 @@
                     <a:tint val="75000"/>
                   </a:schemeClr>
                 </a:solidFill>
+                <a:latin typeface="나눔바른고딕" panose="020B0603020101020101" pitchFamily="50" charset="-127"/>
+                <a:ea typeface="나눔바른고딕" panose="020B0603020101020101" pitchFamily="50" charset="-127"/>
               </a:defRPr>
             </a:lvl1pPr>
             <a:lvl2pPr marL="457200" indent="0">
@@ -1572,11 +1616,19 @@
         <p:spPr/>
         <p:txBody>
           <a:bodyPr/>
-          <a:lstStyle/>
+          <a:lstStyle>
+            <a:lvl1pPr>
+              <a:defRPr>
+                <a:latin typeface="나눔바른고딕" panose="020B0603020101020101" pitchFamily="50" charset="-127"/>
+                <a:ea typeface="나눔바른고딕" panose="020B0603020101020101" pitchFamily="50" charset="-127"/>
+              </a:defRPr>
+            </a:lvl1pPr>
+          </a:lstStyle>
           <a:p>
             <a:fld id="{B119D69E-45C4-41EB-959B-466A1E71785D}" type="datetimeFigureOut">
               <a:rPr lang="ko-KR" altLang="en-US" smtClean="0"/>
-              <a:t>2020-08-22</a:t>
+              <a:pPr/>
+              <a:t>2020-08-23</a:t>
             </a:fld>
             <a:endParaRPr lang="ko-KR" altLang="en-US"/>
           </a:p>
@@ -1601,7 +1653,14 @@
         <p:spPr/>
         <p:txBody>
           <a:bodyPr/>
-          <a:lstStyle/>
+          <a:lstStyle>
+            <a:lvl1pPr>
+              <a:defRPr>
+                <a:latin typeface="나눔바른고딕" panose="020B0603020101020101" pitchFamily="50" charset="-127"/>
+                <a:ea typeface="나눔바른고딕" panose="020B0603020101020101" pitchFamily="50" charset="-127"/>
+              </a:defRPr>
+            </a:lvl1pPr>
+          </a:lstStyle>
           <a:p>
             <a:endParaRPr lang="ko-KR" altLang="en-US"/>
           </a:p>
@@ -1626,10 +1685,18 @@
         <p:spPr/>
         <p:txBody>
           <a:bodyPr/>
-          <a:lstStyle/>
+          <a:lstStyle>
+            <a:lvl1pPr>
+              <a:defRPr>
+                <a:latin typeface="나눔바른고딕" panose="020B0603020101020101" pitchFamily="50" charset="-127"/>
+                <a:ea typeface="나눔바른고딕" panose="020B0603020101020101" pitchFamily="50" charset="-127"/>
+              </a:defRPr>
+            </a:lvl1pPr>
+          </a:lstStyle>
           <a:p>
             <a:fld id="{85B824D0-4228-47B1-837C-B6E3BA4D79AF}" type="slidenum">
               <a:rPr lang="ko-KR" altLang="en-US" smtClean="0"/>
+              <a:pPr/>
               <a:t>‹#›</a:t>
             </a:fld>
             <a:endParaRPr lang="ko-KR" altLang="en-US"/>
@@ -1841,7 +1908,7 @@
           <a:p>
             <a:fld id="{B119D69E-45C4-41EB-959B-466A1E71785D}" type="datetimeFigureOut">
               <a:rPr lang="ko-KR" altLang="en-US" smtClean="0"/>
-              <a:t>2020-08-22</a:t>
+              <a:t>2020-08-23</a:t>
             </a:fld>
             <a:endParaRPr lang="ko-KR" altLang="en-US"/>
           </a:p>
@@ -2253,7 +2320,7 @@
           <a:p>
             <a:fld id="{B119D69E-45C4-41EB-959B-466A1E71785D}" type="datetimeFigureOut">
               <a:rPr lang="ko-KR" altLang="en-US" smtClean="0"/>
-              <a:t>2020-08-22</a:t>
+              <a:t>2020-08-23</a:t>
             </a:fld>
             <a:endParaRPr lang="ko-KR" altLang="en-US"/>
           </a:p>
@@ -2394,7 +2461,7 @@
           <a:p>
             <a:fld id="{B119D69E-45C4-41EB-959B-466A1E71785D}" type="datetimeFigureOut">
               <a:rPr lang="ko-KR" altLang="en-US" smtClean="0"/>
-              <a:t>2020-08-22</a:t>
+              <a:t>2020-08-23</a:t>
             </a:fld>
             <a:endParaRPr lang="ko-KR" altLang="en-US"/>
           </a:p>
@@ -2507,7 +2574,7 @@
           <a:p>
             <a:fld id="{B119D69E-45C4-41EB-959B-466A1E71785D}" type="datetimeFigureOut">
               <a:rPr lang="ko-KR" altLang="en-US" smtClean="0"/>
-              <a:t>2020-08-22</a:t>
+              <a:t>2020-08-23</a:t>
             </a:fld>
             <a:endParaRPr lang="ko-KR" altLang="en-US"/>
           </a:p>
@@ -2818,7 +2885,7 @@
           <a:p>
             <a:fld id="{B119D69E-45C4-41EB-959B-466A1E71785D}" type="datetimeFigureOut">
               <a:rPr lang="ko-KR" altLang="en-US" smtClean="0"/>
-              <a:t>2020-08-22</a:t>
+              <a:t>2020-08-23</a:t>
             </a:fld>
             <a:endParaRPr lang="ko-KR" altLang="en-US"/>
           </a:p>
@@ -3106,7 +3173,7 @@
           <a:p>
             <a:fld id="{B119D69E-45C4-41EB-959B-466A1E71785D}" type="datetimeFigureOut">
               <a:rPr lang="ko-KR" altLang="en-US" smtClean="0"/>
-              <a:t>2020-08-22</a:t>
+              <a:t>2020-08-23</a:t>
             </a:fld>
             <a:endParaRPr lang="ko-KR" altLang="en-US"/>
           </a:p>
@@ -3347,7 +3414,7 @@
           <a:p>
             <a:fld id="{B119D69E-45C4-41EB-959B-466A1E71785D}" type="datetimeFigureOut">
               <a:rPr lang="ko-KR" altLang="en-US" smtClean="0"/>
-              <a:t>2020-08-22</a:t>
+              <a:t>2020-08-23</a:t>
             </a:fld>
             <a:endParaRPr lang="ko-KR" altLang="en-US"/>
           </a:p>
@@ -3792,15 +3859,7 @@
           <a:p>
             <a:r>
               <a:rPr lang="ko-KR" altLang="en-US" dirty="0"/>
-              <a:t>구글 </a:t>
-            </a:r>
-            <a:r>
-              <a:rPr lang="ko-KR" altLang="en-US" dirty="0" err="1"/>
-              <a:t>클래스룸</a:t>
-            </a:r>
-            <a:r>
-              <a:rPr lang="ko-KR" altLang="en-US" dirty="0"/>
-              <a:t> 자동 </a:t>
+              <a:t>온라인클래스 자동 </a:t>
             </a:r>
             <a:r>
               <a:rPr lang="ko-KR" altLang="en-US" dirty="0" err="1"/>
@@ -3885,56 +3944,147 @@
           <a:chExt cx="0" cy="0"/>
         </a:xfrm>
       </p:grpSpPr>
-      <p:sp>
-        <p:nvSpPr>
-          <p:cNvPr id="2" name="제목 1">
-            <a:extLst>
-              <a:ext uri="{FF2B5EF4-FFF2-40B4-BE49-F238E27FC236}">
-                <a16:creationId xmlns:a16="http://schemas.microsoft.com/office/drawing/2014/main" id="{EEA4770E-D08D-4CB0-ADAE-2BF8E3067C69}"/>
-              </a:ext>
-            </a:extLst>
-          </p:cNvPr>
-          <p:cNvSpPr>
-            <a:spLocks noGrp="1"/>
-          </p:cNvSpPr>
-          <p:nvPr>
-            <p:ph type="title"/>
-          </p:nvPr>
-        </p:nvSpPr>
-        <p:spPr/>
-        <p:txBody>
-          <a:bodyPr/>
-          <a:lstStyle/>
-          <a:p>
-            <a:endParaRPr lang="ko-KR" altLang="en-US"/>
-          </a:p>
-        </p:txBody>
-      </p:sp>
-      <p:sp>
-        <p:nvSpPr>
-          <p:cNvPr id="3" name="내용 개체 틀 2">
-            <a:extLst>
-              <a:ext uri="{FF2B5EF4-FFF2-40B4-BE49-F238E27FC236}">
-                <a16:creationId xmlns:a16="http://schemas.microsoft.com/office/drawing/2014/main" id="{ABCFFE21-2B30-4FD9-93EC-C61258C013C2}"/>
-              </a:ext>
-            </a:extLst>
-          </p:cNvPr>
-          <p:cNvSpPr>
-            <a:spLocks noGrp="1"/>
-          </p:cNvSpPr>
-          <p:nvPr>
-            <p:ph idx="1"/>
-          </p:nvPr>
-        </p:nvSpPr>
-        <p:spPr/>
-        <p:txBody>
-          <a:bodyPr/>
-          <a:lstStyle/>
-          <a:p>
-            <a:endParaRPr lang="ko-KR" altLang="en-US"/>
-          </a:p>
-        </p:txBody>
-      </p:sp>
+      <p:pic>
+        <p:nvPicPr>
+          <p:cNvPr id="1028" name="Picture 4" descr="제2형 중증급성호흡기증후군 코로나바이러스 - 위키백과, 우리 모두의 ...">
+            <a:extLst>
+              <a:ext uri="{FF2B5EF4-FFF2-40B4-BE49-F238E27FC236}">
+                <a16:creationId xmlns:a16="http://schemas.microsoft.com/office/drawing/2014/main" id="{988D1F23-19C0-49CB-8A8E-1137C2EBCF6C}"/>
+              </a:ext>
+            </a:extLst>
+          </p:cNvPr>
+          <p:cNvPicPr>
+            <a:picLocks noChangeAspect="1" noChangeArrowheads="1"/>
+          </p:cNvPicPr>
+          <p:nvPr/>
+        </p:nvPicPr>
+        <p:blipFill>
+          <a:blip r:embed="rId2">
+            <a:extLst>
+              <a:ext uri="{28A0092B-C50C-407E-A947-70E740481C1C}">
+                <a14:useLocalDpi xmlns:a14="http://schemas.microsoft.com/office/drawing/2010/main" val="0"/>
+              </a:ext>
+            </a:extLst>
+          </a:blip>
+          <a:srcRect/>
+          <a:stretch>
+            <a:fillRect/>
+          </a:stretch>
+        </p:blipFill>
+        <p:spPr bwMode="auto">
+          <a:xfrm>
+            <a:off x="4437077" y="1762671"/>
+            <a:ext cx="3317846" cy="3332658"/>
+          </a:xfrm>
+          <a:prstGeom prst="rect">
+            <a:avLst/>
+          </a:prstGeom>
+          <a:noFill/>
+          <a:extLst>
+            <a:ext uri="{909E8E84-426E-40DD-AFC4-6F175D3DCCD1}">
+              <a14:hiddenFill xmlns:a14="http://schemas.microsoft.com/office/drawing/2010/main">
+                <a:solidFill>
+                  <a:srgbClr val="FFFFFF"/>
+                </a:solidFill>
+              </a14:hiddenFill>
+            </a:ext>
+          </a:extLst>
+        </p:spPr>
+      </p:pic>
+      <p:pic>
+        <p:nvPicPr>
+          <p:cNvPr id="1032" name="Picture 8" descr="마스크 가격 하루 만에 '15배'…정부 단속 착수 (2020.01.31/뉴스투데이 ...">
+            <a:extLst>
+              <a:ext uri="{FF2B5EF4-FFF2-40B4-BE49-F238E27FC236}">
+                <a16:creationId xmlns:a16="http://schemas.microsoft.com/office/drawing/2014/main" id="{39734894-B985-4056-BC3D-F57BC87E6395}"/>
+              </a:ext>
+            </a:extLst>
+          </p:cNvPr>
+          <p:cNvPicPr>
+            <a:picLocks noChangeAspect="1" noChangeArrowheads="1"/>
+          </p:cNvPicPr>
+          <p:nvPr/>
+        </p:nvPicPr>
+        <p:blipFill>
+          <a:blip r:embed="rId3">
+            <a:extLst>
+              <a:ext uri="{28A0092B-C50C-407E-A947-70E740481C1C}">
+                <a14:useLocalDpi xmlns:a14="http://schemas.microsoft.com/office/drawing/2010/main" val="0"/>
+              </a:ext>
+            </a:extLst>
+          </a:blip>
+          <a:srcRect/>
+          <a:stretch>
+            <a:fillRect/>
+          </a:stretch>
+        </p:blipFill>
+        <p:spPr bwMode="auto">
+          <a:xfrm>
+            <a:off x="3128682" y="1545571"/>
+            <a:ext cx="6696635" cy="3766857"/>
+          </a:xfrm>
+          <a:prstGeom prst="rect">
+            <a:avLst/>
+          </a:prstGeom>
+          <a:noFill/>
+          <a:extLst>
+            <a:ext uri="{909E8E84-426E-40DD-AFC4-6F175D3DCCD1}">
+              <a14:hiddenFill xmlns:a14="http://schemas.microsoft.com/office/drawing/2010/main">
+                <a:solidFill>
+                  <a:srgbClr val="FFFFFF"/>
+                </a:solidFill>
+              </a14:hiddenFill>
+            </a:ext>
+          </a:extLst>
+        </p:spPr>
+      </p:pic>
+      <p:pic>
+        <p:nvPicPr>
+          <p:cNvPr id="1030" name="Picture 6" descr="pc방 근황 | 유머 게시판 | 루리웹">
+            <a:extLst>
+              <a:ext uri="{FF2B5EF4-FFF2-40B4-BE49-F238E27FC236}">
+                <a16:creationId xmlns:a16="http://schemas.microsoft.com/office/drawing/2014/main" id="{D192ED77-CCFC-4ACC-8208-F146D30A0FB7}"/>
+              </a:ext>
+            </a:extLst>
+          </p:cNvPr>
+          <p:cNvPicPr>
+            <a:picLocks noChangeAspect="1" noChangeArrowheads="1"/>
+          </p:cNvPicPr>
+          <p:nvPr/>
+        </p:nvPicPr>
+        <p:blipFill>
+          <a:blip r:embed="rId4">
+            <a:extLst>
+              <a:ext uri="{28A0092B-C50C-407E-A947-70E740481C1C}">
+                <a14:useLocalDpi xmlns:a14="http://schemas.microsoft.com/office/drawing/2010/main" val="0"/>
+              </a:ext>
+            </a:extLst>
+          </a:blip>
+          <a:srcRect/>
+          <a:stretch>
+            <a:fillRect/>
+          </a:stretch>
+        </p:blipFill>
+        <p:spPr bwMode="auto">
+          <a:xfrm>
+            <a:off x="4218526" y="957629"/>
+            <a:ext cx="3754948" cy="4942738"/>
+          </a:xfrm>
+          <a:prstGeom prst="rect">
+            <a:avLst/>
+          </a:prstGeom>
+          <a:noFill/>
+          <a:extLst>
+            <a:ext uri="{909E8E84-426E-40DD-AFC4-6F175D3DCCD1}">
+              <a14:hiddenFill xmlns:a14="http://schemas.microsoft.com/office/drawing/2010/main">
+                <a:solidFill>
+                  <a:srgbClr val="FFFFFF"/>
+                </a:solidFill>
+              </a14:hiddenFill>
+            </a:ext>
+          </a:extLst>
+        </p:spPr>
+      </p:pic>
     </p:spTree>
     <p:extLst>
       <p:ext uri="{BB962C8B-B14F-4D97-AF65-F5344CB8AC3E}">
@@ -3945,6 +4095,1950 @@
   <p:clrMapOvr>
     <a:masterClrMapping/>
   </p:clrMapOvr>
+  <p:timing>
+    <p:tnLst>
+      <p:par>
+        <p:cTn id="1" dur="indefinite" restart="never" nodeType="tmRoot">
+          <p:childTnLst>
+            <p:seq concurrent="1" nextAc="seek">
+              <p:cTn id="2" dur="indefinite" nodeType="mainSeq">
+                <p:childTnLst>
+                  <p:par>
+                    <p:cTn id="3" fill="hold">
+                      <p:stCondLst>
+                        <p:cond delay="indefinite"/>
+                      </p:stCondLst>
+                      <p:childTnLst>
+                        <p:par>
+                          <p:cTn id="4" fill="hold">
+                            <p:stCondLst>
+                              <p:cond delay="0"/>
+                            </p:stCondLst>
+                            <p:childTnLst>
+                              <p:par>
+                                <p:cTn id="5" presetID="1" presetClass="entr" presetSubtype="0" fill="hold" nodeType="clickEffect">
+                                  <p:stCondLst>
+                                    <p:cond delay="0"/>
+                                  </p:stCondLst>
+                                  <p:childTnLst>
+                                    <p:set>
+                                      <p:cBhvr>
+                                        <p:cTn id="6" dur="1" fill="hold">
+                                          <p:stCondLst>
+                                            <p:cond delay="0"/>
+                                          </p:stCondLst>
+                                        </p:cTn>
+                                        <p:tgtEl>
+                                          <p:spTgt spid="1028"/>
+                                        </p:tgtEl>
+                                        <p:attrNameLst>
+                                          <p:attrName>style.visibility</p:attrName>
+                                        </p:attrNameLst>
+                                      </p:cBhvr>
+                                      <p:to>
+                                        <p:strVal val="visible"/>
+                                      </p:to>
+                                    </p:set>
+                                  </p:childTnLst>
+                                </p:cTn>
+                              </p:par>
+                            </p:childTnLst>
+                          </p:cTn>
+                        </p:par>
+                      </p:childTnLst>
+                    </p:cTn>
+                  </p:par>
+                  <p:par>
+                    <p:cTn id="7" fill="hold">
+                      <p:stCondLst>
+                        <p:cond delay="indefinite"/>
+                      </p:stCondLst>
+                      <p:childTnLst>
+                        <p:par>
+                          <p:cTn id="8" fill="hold">
+                            <p:stCondLst>
+                              <p:cond delay="0"/>
+                            </p:stCondLst>
+                            <p:childTnLst>
+                              <p:par>
+                                <p:cTn id="9" presetID="1" presetClass="entr" presetSubtype="0" fill="hold" nodeType="clickEffect">
+                                  <p:stCondLst>
+                                    <p:cond delay="0"/>
+                                  </p:stCondLst>
+                                  <p:childTnLst>
+                                    <p:set>
+                                      <p:cBhvr>
+                                        <p:cTn id="10" dur="1" fill="hold">
+                                          <p:stCondLst>
+                                            <p:cond delay="0"/>
+                                          </p:stCondLst>
+                                        </p:cTn>
+                                        <p:tgtEl>
+                                          <p:spTgt spid="1032"/>
+                                        </p:tgtEl>
+                                        <p:attrNameLst>
+                                          <p:attrName>style.visibility</p:attrName>
+                                        </p:attrNameLst>
+                                      </p:cBhvr>
+                                      <p:to>
+                                        <p:strVal val="visible"/>
+                                      </p:to>
+                                    </p:set>
+                                  </p:childTnLst>
+                                </p:cTn>
+                              </p:par>
+                            </p:childTnLst>
+                          </p:cTn>
+                        </p:par>
+                      </p:childTnLst>
+                    </p:cTn>
+                  </p:par>
+                  <p:par>
+                    <p:cTn id="11" fill="hold">
+                      <p:stCondLst>
+                        <p:cond delay="indefinite"/>
+                      </p:stCondLst>
+                      <p:childTnLst>
+                        <p:par>
+                          <p:cTn id="12" fill="hold">
+                            <p:stCondLst>
+                              <p:cond delay="0"/>
+                            </p:stCondLst>
+                            <p:childTnLst>
+                              <p:par>
+                                <p:cTn id="13" presetID="1" presetClass="entr" presetSubtype="0" fill="hold" nodeType="clickEffect">
+                                  <p:stCondLst>
+                                    <p:cond delay="0"/>
+                                  </p:stCondLst>
+                                  <p:childTnLst>
+                                    <p:set>
+                                      <p:cBhvr>
+                                        <p:cTn id="14" dur="1" fill="hold">
+                                          <p:stCondLst>
+                                            <p:cond delay="0"/>
+                                          </p:stCondLst>
+                                        </p:cTn>
+                                        <p:tgtEl>
+                                          <p:spTgt spid="1030"/>
+                                        </p:tgtEl>
+                                        <p:attrNameLst>
+                                          <p:attrName>style.visibility</p:attrName>
+                                        </p:attrNameLst>
+                                      </p:cBhvr>
+                                      <p:to>
+                                        <p:strVal val="visible"/>
+                                      </p:to>
+                                    </p:set>
+                                  </p:childTnLst>
+                                </p:cTn>
+                              </p:par>
+                            </p:childTnLst>
+                          </p:cTn>
+                        </p:par>
+                      </p:childTnLst>
+                    </p:cTn>
+                  </p:par>
+                </p:childTnLst>
+              </p:cTn>
+              <p:prevCondLst>
+                <p:cond evt="onPrev" delay="0">
+                  <p:tgtEl>
+                    <p:sldTgt/>
+                  </p:tgtEl>
+                </p:cond>
+              </p:prevCondLst>
+              <p:nextCondLst>
+                <p:cond evt="onNext" delay="0">
+                  <p:tgtEl>
+                    <p:sldTgt/>
+                  </p:tgtEl>
+                </p:cond>
+              </p:nextCondLst>
+            </p:seq>
+          </p:childTnLst>
+        </p:cTn>
+      </p:par>
+    </p:tnLst>
+  </p:timing>
+</p:sld>
+</file>
+
+<file path=ppt/slides/slide3.xml><?xml version="1.0" encoding="utf-8"?>
+<p:sld xmlns:a="http://schemas.openxmlformats.org/drawingml/2006/main" xmlns:r="http://schemas.openxmlformats.org/officeDocument/2006/relationships" xmlns:p="http://schemas.openxmlformats.org/presentationml/2006/main">
+  <p:cSld>
+    <p:spTree>
+      <p:nvGrpSpPr>
+        <p:cNvPr id="1" name=""/>
+        <p:cNvGrpSpPr/>
+        <p:nvPr/>
+      </p:nvGrpSpPr>
+      <p:grpSpPr>
+        <a:xfrm>
+          <a:off x="0" y="0"/>
+          <a:ext cx="0" cy="0"/>
+          <a:chOff x="0" y="0"/>
+          <a:chExt cx="0" cy="0"/>
+        </a:xfrm>
+      </p:grpSpPr>
+      <p:pic>
+        <p:nvPicPr>
+          <p:cNvPr id="4" name="Picture 10" descr="교육의 중심 EBS">
+            <a:extLst>
+              <a:ext uri="{FF2B5EF4-FFF2-40B4-BE49-F238E27FC236}">
+                <a16:creationId xmlns:a16="http://schemas.microsoft.com/office/drawing/2014/main" id="{5A46D208-F4C6-4532-AB2C-502C570753BB}"/>
+              </a:ext>
+            </a:extLst>
+          </p:cNvPr>
+          <p:cNvPicPr>
+            <a:picLocks noChangeAspect="1" noChangeArrowheads="1"/>
+          </p:cNvPicPr>
+          <p:nvPr/>
+        </p:nvPicPr>
+        <p:blipFill>
+          <a:blip r:embed="rId2">
+            <a:extLst>
+              <a:ext uri="{28A0092B-C50C-407E-A947-70E740481C1C}">
+                <a14:useLocalDpi xmlns:a14="http://schemas.microsoft.com/office/drawing/2010/main" val="0"/>
+              </a:ext>
+            </a:extLst>
+          </a:blip>
+          <a:srcRect/>
+          <a:stretch>
+            <a:fillRect/>
+          </a:stretch>
+        </p:blipFill>
+        <p:spPr bwMode="auto">
+          <a:xfrm>
+            <a:off x="960599" y="1092853"/>
+            <a:ext cx="4210660" cy="2336147"/>
+          </a:xfrm>
+          <a:prstGeom prst="rect">
+            <a:avLst/>
+          </a:prstGeom>
+          <a:noFill/>
+          <a:extLst>
+            <a:ext uri="{909E8E84-426E-40DD-AFC4-6F175D3DCCD1}">
+              <a14:hiddenFill xmlns:a14="http://schemas.microsoft.com/office/drawing/2010/main">
+                <a:solidFill>
+                  <a:srgbClr val="FFFFFF"/>
+                </a:solidFill>
+              </a14:hiddenFill>
+            </a:ext>
+          </a:extLst>
+        </p:spPr>
+      </p:pic>
+      <p:pic>
+        <p:nvPicPr>
+          <p:cNvPr id="2050" name="Picture 2" descr="How to use Google Meet video calls within Google Classroom ...">
+            <a:extLst>
+              <a:ext uri="{FF2B5EF4-FFF2-40B4-BE49-F238E27FC236}">
+                <a16:creationId xmlns:a16="http://schemas.microsoft.com/office/drawing/2014/main" id="{ED381FF3-6443-407B-86A5-31724F093DA0}"/>
+              </a:ext>
+            </a:extLst>
+          </p:cNvPr>
+          <p:cNvPicPr>
+            <a:picLocks noChangeAspect="1" noChangeArrowheads="1"/>
+          </p:cNvPicPr>
+          <p:nvPr/>
+        </p:nvPicPr>
+        <p:blipFill>
+          <a:blip r:embed="rId3">
+            <a:extLst>
+              <a:ext uri="{28A0092B-C50C-407E-A947-70E740481C1C}">
+                <a14:useLocalDpi xmlns:a14="http://schemas.microsoft.com/office/drawing/2010/main" val="0"/>
+              </a:ext>
+            </a:extLst>
+          </a:blip>
+          <a:srcRect/>
+          <a:stretch>
+            <a:fillRect/>
+          </a:stretch>
+        </p:blipFill>
+        <p:spPr bwMode="auto">
+          <a:xfrm>
+            <a:off x="2683886" y="1947161"/>
+            <a:ext cx="5189899" cy="2703420"/>
+          </a:xfrm>
+          <a:prstGeom prst="rect">
+            <a:avLst/>
+          </a:prstGeom>
+          <a:noFill/>
+          <a:extLst>
+            <a:ext uri="{909E8E84-426E-40DD-AFC4-6F175D3DCCD1}">
+              <a14:hiddenFill xmlns:a14="http://schemas.microsoft.com/office/drawing/2010/main">
+                <a:solidFill>
+                  <a:srgbClr val="FFFFFF"/>
+                </a:solidFill>
+              </a14:hiddenFill>
+            </a:ext>
+          </a:extLst>
+        </p:spPr>
+      </p:pic>
+      <p:pic>
+        <p:nvPicPr>
+          <p:cNvPr id="2054" name="Picture 6" descr="모두가 개발자가 된다 | goorm">
+            <a:extLst>
+              <a:ext uri="{FF2B5EF4-FFF2-40B4-BE49-F238E27FC236}">
+                <a16:creationId xmlns:a16="http://schemas.microsoft.com/office/drawing/2014/main" id="{D67EB42E-921E-4A1D-9D7D-86C7776CE4DC}"/>
+              </a:ext>
+            </a:extLst>
+          </p:cNvPr>
+          <p:cNvPicPr>
+            <a:picLocks noChangeAspect="1" noChangeArrowheads="1"/>
+          </p:cNvPicPr>
+          <p:nvPr/>
+        </p:nvPicPr>
+        <p:blipFill>
+          <a:blip r:embed="rId4">
+            <a:extLst>
+              <a:ext uri="{28A0092B-C50C-407E-A947-70E740481C1C}">
+                <a14:useLocalDpi xmlns:a14="http://schemas.microsoft.com/office/drawing/2010/main" val="0"/>
+              </a:ext>
+            </a:extLst>
+          </a:blip>
+          <a:srcRect/>
+          <a:stretch>
+            <a:fillRect/>
+          </a:stretch>
+        </p:blipFill>
+        <p:spPr bwMode="auto">
+          <a:xfrm>
+            <a:off x="6096000" y="3451271"/>
+            <a:ext cx="4604756" cy="2398619"/>
+          </a:xfrm>
+          <a:prstGeom prst="rect">
+            <a:avLst/>
+          </a:prstGeom>
+          <a:noFill/>
+          <a:extLst>
+            <a:ext uri="{909E8E84-426E-40DD-AFC4-6F175D3DCCD1}">
+              <a14:hiddenFill xmlns:a14="http://schemas.microsoft.com/office/drawing/2010/main">
+                <a:solidFill>
+                  <a:srgbClr val="FFFFFF"/>
+                </a:solidFill>
+              </a14:hiddenFill>
+            </a:ext>
+          </a:extLst>
+        </p:spPr>
+      </p:pic>
+    </p:spTree>
+    <p:extLst>
+      <p:ext uri="{BB962C8B-B14F-4D97-AF65-F5344CB8AC3E}">
+        <p14:creationId xmlns:p14="http://schemas.microsoft.com/office/powerpoint/2010/main" val="1420655456"/>
+      </p:ext>
+    </p:extLst>
+  </p:cSld>
+  <p:clrMapOvr>
+    <a:masterClrMapping/>
+  </p:clrMapOvr>
+  <p:timing>
+    <p:tnLst>
+      <p:par>
+        <p:cTn id="1" dur="indefinite" restart="never" nodeType="tmRoot">
+          <p:childTnLst>
+            <p:seq concurrent="1" nextAc="seek">
+              <p:cTn id="2" dur="indefinite" nodeType="mainSeq">
+                <p:childTnLst>
+                  <p:par>
+                    <p:cTn id="3" fill="hold">
+                      <p:stCondLst>
+                        <p:cond delay="indefinite"/>
+                      </p:stCondLst>
+                      <p:childTnLst>
+                        <p:par>
+                          <p:cTn id="4" fill="hold">
+                            <p:stCondLst>
+                              <p:cond delay="0"/>
+                            </p:stCondLst>
+                            <p:childTnLst>
+                              <p:par>
+                                <p:cTn id="5" presetID="1" presetClass="entr" presetSubtype="0" fill="hold" nodeType="clickEffect">
+                                  <p:stCondLst>
+                                    <p:cond delay="0"/>
+                                  </p:stCondLst>
+                                  <p:childTnLst>
+                                    <p:set>
+                                      <p:cBhvr>
+                                        <p:cTn id="6" dur="1" fill="hold">
+                                          <p:stCondLst>
+                                            <p:cond delay="0"/>
+                                          </p:stCondLst>
+                                        </p:cTn>
+                                        <p:tgtEl>
+                                          <p:spTgt spid="4"/>
+                                        </p:tgtEl>
+                                        <p:attrNameLst>
+                                          <p:attrName>style.visibility</p:attrName>
+                                        </p:attrNameLst>
+                                      </p:cBhvr>
+                                      <p:to>
+                                        <p:strVal val="visible"/>
+                                      </p:to>
+                                    </p:set>
+                                  </p:childTnLst>
+                                </p:cTn>
+                              </p:par>
+                            </p:childTnLst>
+                          </p:cTn>
+                        </p:par>
+                      </p:childTnLst>
+                    </p:cTn>
+                  </p:par>
+                  <p:par>
+                    <p:cTn id="7" fill="hold">
+                      <p:stCondLst>
+                        <p:cond delay="indefinite"/>
+                      </p:stCondLst>
+                      <p:childTnLst>
+                        <p:par>
+                          <p:cTn id="8" fill="hold">
+                            <p:stCondLst>
+                              <p:cond delay="0"/>
+                            </p:stCondLst>
+                            <p:childTnLst>
+                              <p:par>
+                                <p:cTn id="9" presetID="1" presetClass="entr" presetSubtype="0" fill="hold" nodeType="clickEffect">
+                                  <p:stCondLst>
+                                    <p:cond delay="0"/>
+                                  </p:stCondLst>
+                                  <p:childTnLst>
+                                    <p:set>
+                                      <p:cBhvr>
+                                        <p:cTn id="10" dur="1" fill="hold">
+                                          <p:stCondLst>
+                                            <p:cond delay="0"/>
+                                          </p:stCondLst>
+                                        </p:cTn>
+                                        <p:tgtEl>
+                                          <p:spTgt spid="2050"/>
+                                        </p:tgtEl>
+                                        <p:attrNameLst>
+                                          <p:attrName>style.visibility</p:attrName>
+                                        </p:attrNameLst>
+                                      </p:cBhvr>
+                                      <p:to>
+                                        <p:strVal val="visible"/>
+                                      </p:to>
+                                    </p:set>
+                                  </p:childTnLst>
+                                </p:cTn>
+                              </p:par>
+                            </p:childTnLst>
+                          </p:cTn>
+                        </p:par>
+                      </p:childTnLst>
+                    </p:cTn>
+                  </p:par>
+                  <p:par>
+                    <p:cTn id="11" fill="hold">
+                      <p:stCondLst>
+                        <p:cond delay="indefinite"/>
+                      </p:stCondLst>
+                      <p:childTnLst>
+                        <p:par>
+                          <p:cTn id="12" fill="hold">
+                            <p:stCondLst>
+                              <p:cond delay="0"/>
+                            </p:stCondLst>
+                            <p:childTnLst>
+                              <p:par>
+                                <p:cTn id="13" presetID="1" presetClass="entr" presetSubtype="0" fill="hold" nodeType="clickEffect">
+                                  <p:stCondLst>
+                                    <p:cond delay="0"/>
+                                  </p:stCondLst>
+                                  <p:childTnLst>
+                                    <p:set>
+                                      <p:cBhvr>
+                                        <p:cTn id="14" dur="1" fill="hold">
+                                          <p:stCondLst>
+                                            <p:cond delay="0"/>
+                                          </p:stCondLst>
+                                        </p:cTn>
+                                        <p:tgtEl>
+                                          <p:spTgt spid="2054"/>
+                                        </p:tgtEl>
+                                        <p:attrNameLst>
+                                          <p:attrName>style.visibility</p:attrName>
+                                        </p:attrNameLst>
+                                      </p:cBhvr>
+                                      <p:to>
+                                        <p:strVal val="visible"/>
+                                      </p:to>
+                                    </p:set>
+                                  </p:childTnLst>
+                                </p:cTn>
+                              </p:par>
+                            </p:childTnLst>
+                          </p:cTn>
+                        </p:par>
+                      </p:childTnLst>
+                    </p:cTn>
+                  </p:par>
+                </p:childTnLst>
+              </p:cTn>
+              <p:prevCondLst>
+                <p:cond evt="onPrev" delay="0">
+                  <p:tgtEl>
+                    <p:sldTgt/>
+                  </p:tgtEl>
+                </p:cond>
+              </p:prevCondLst>
+              <p:nextCondLst>
+                <p:cond evt="onNext" delay="0">
+                  <p:tgtEl>
+                    <p:sldTgt/>
+                  </p:tgtEl>
+                </p:cond>
+              </p:nextCondLst>
+            </p:seq>
+          </p:childTnLst>
+        </p:cTn>
+      </p:par>
+    </p:tnLst>
+  </p:timing>
+</p:sld>
+</file>
+
+<file path=ppt/slides/slide4.xml><?xml version="1.0" encoding="utf-8"?>
+<p:sld xmlns:a="http://schemas.openxmlformats.org/drawingml/2006/main" xmlns:r="http://schemas.openxmlformats.org/officeDocument/2006/relationships" xmlns:p="http://schemas.openxmlformats.org/presentationml/2006/main">
+  <p:cSld>
+    <p:spTree>
+      <p:nvGrpSpPr>
+        <p:cNvPr id="1" name=""/>
+        <p:cNvGrpSpPr/>
+        <p:nvPr/>
+      </p:nvGrpSpPr>
+      <p:grpSpPr>
+        <a:xfrm>
+          <a:off x="0" y="0"/>
+          <a:ext cx="0" cy="0"/>
+          <a:chOff x="0" y="0"/>
+          <a:chExt cx="0" cy="0"/>
+        </a:xfrm>
+      </p:grpSpPr>
+      <p:pic>
+        <p:nvPicPr>
+          <p:cNvPr id="3074" name="Picture 2" descr="Eclipse Logos and Artwork | The Eclipse Foundation">
+            <a:extLst>
+              <a:ext uri="{FF2B5EF4-FFF2-40B4-BE49-F238E27FC236}">
+                <a16:creationId xmlns:a16="http://schemas.microsoft.com/office/drawing/2014/main" id="{8BA7A0F9-1A86-41B6-A7B8-09AF44B51145}"/>
+              </a:ext>
+            </a:extLst>
+          </p:cNvPr>
+          <p:cNvPicPr>
+            <a:picLocks noChangeAspect="1" noChangeArrowheads="1"/>
+          </p:cNvPicPr>
+          <p:nvPr/>
+        </p:nvPicPr>
+        <p:blipFill>
+          <a:blip r:embed="rId2">
+            <a:extLst>
+              <a:ext uri="{28A0092B-C50C-407E-A947-70E740481C1C}">
+                <a14:useLocalDpi xmlns:a14="http://schemas.microsoft.com/office/drawing/2010/main" val="0"/>
+              </a:ext>
+            </a:extLst>
+          </a:blip>
+          <a:srcRect/>
+          <a:stretch>
+            <a:fillRect/>
+          </a:stretch>
+        </p:blipFill>
+        <p:spPr bwMode="auto">
+          <a:xfrm>
+            <a:off x="4262716" y="713535"/>
+            <a:ext cx="6197695" cy="1455924"/>
+          </a:xfrm>
+          <a:prstGeom prst="rect">
+            <a:avLst/>
+          </a:prstGeom>
+          <a:noFill/>
+          <a:extLst>
+            <a:ext uri="{909E8E84-426E-40DD-AFC4-6F175D3DCCD1}">
+              <a14:hiddenFill xmlns:a14="http://schemas.microsoft.com/office/drawing/2010/main">
+                <a:solidFill>
+                  <a:srgbClr val="FFFFFF"/>
+                </a:solidFill>
+              </a14:hiddenFill>
+            </a:ext>
+          </a:extLst>
+        </p:spPr>
+      </p:pic>
+      <p:sp>
+        <p:nvSpPr>
+          <p:cNvPr id="4" name="TextBox 3">
+            <a:extLst>
+              <a:ext uri="{FF2B5EF4-FFF2-40B4-BE49-F238E27FC236}">
+                <a16:creationId xmlns:a16="http://schemas.microsoft.com/office/drawing/2014/main" id="{A2807DCE-8D11-4064-A1BB-51E86D7C5E32}"/>
+              </a:ext>
+            </a:extLst>
+          </p:cNvPr>
+          <p:cNvSpPr txBox="1"/>
+          <p:nvPr/>
+        </p:nvSpPr>
+        <p:spPr>
+          <a:xfrm>
+            <a:off x="815789" y="1149109"/>
+            <a:ext cx="3039035" cy="769441"/>
+          </a:xfrm>
+          <a:prstGeom prst="rect">
+            <a:avLst/>
+          </a:prstGeom>
+          <a:noFill/>
+        </p:spPr>
+        <p:txBody>
+          <a:bodyPr wrap="square" rtlCol="0">
+            <a:spAutoFit/>
+          </a:bodyPr>
+          <a:lstStyle/>
+          <a:p>
+            <a:r>
+              <a:rPr lang="ko-KR" altLang="en-US" sz="4400" dirty="0">
+                <a:latin typeface="나눔바른고딕" panose="020B0603020101020101" pitchFamily="50" charset="-127"/>
+                <a:ea typeface="나눔바른고딕" panose="020B0603020101020101" pitchFamily="50" charset="-127"/>
+              </a:rPr>
+              <a:t>개발 환경 </a:t>
+            </a:r>
+            <a:r>
+              <a:rPr lang="en-US" altLang="ko-KR" sz="4400" dirty="0">
+                <a:latin typeface="나눔바른고딕" panose="020B0603020101020101" pitchFamily="50" charset="-127"/>
+                <a:ea typeface="나눔바른고딕" panose="020B0603020101020101" pitchFamily="50" charset="-127"/>
+              </a:rPr>
+              <a:t>: </a:t>
+            </a:r>
+            <a:endParaRPr lang="ko-KR" altLang="en-US" sz="4400" dirty="0">
+              <a:latin typeface="나눔바른고딕" panose="020B0603020101020101" pitchFamily="50" charset="-127"/>
+              <a:ea typeface="나눔바른고딕" panose="020B0603020101020101" pitchFamily="50" charset="-127"/>
+            </a:endParaRPr>
+          </a:p>
+        </p:txBody>
+      </p:sp>
+      <p:sp>
+        <p:nvSpPr>
+          <p:cNvPr id="7" name="TextBox 6">
+            <a:extLst>
+              <a:ext uri="{FF2B5EF4-FFF2-40B4-BE49-F238E27FC236}">
+                <a16:creationId xmlns:a16="http://schemas.microsoft.com/office/drawing/2014/main" id="{613D1355-C62C-48AF-8202-1C77309C6437}"/>
+              </a:ext>
+            </a:extLst>
+          </p:cNvPr>
+          <p:cNvSpPr txBox="1"/>
+          <p:nvPr/>
+        </p:nvSpPr>
+        <p:spPr>
+          <a:xfrm>
+            <a:off x="815788" y="3578544"/>
+            <a:ext cx="5172636" cy="769441"/>
+          </a:xfrm>
+          <a:prstGeom prst="rect">
+            <a:avLst/>
+          </a:prstGeom>
+          <a:noFill/>
+        </p:spPr>
+        <p:txBody>
+          <a:bodyPr wrap="square" rtlCol="0">
+            <a:spAutoFit/>
+          </a:bodyPr>
+          <a:lstStyle/>
+          <a:p>
+            <a:r>
+              <a:rPr lang="ko-KR" altLang="en-US" sz="4400">
+                <a:latin typeface="나눔바른고딕" panose="020B0603020101020101" pitchFamily="50" charset="-127"/>
+                <a:ea typeface="나눔바른고딕" panose="020B0603020101020101" pitchFamily="50" charset="-127"/>
+              </a:rPr>
+              <a:t>사용한 외부 </a:t>
+            </a:r>
+            <a:r>
+              <a:rPr lang="ko-KR" altLang="en-US" sz="4400" dirty="0">
+                <a:latin typeface="나눔바른고딕" panose="020B0603020101020101" pitchFamily="50" charset="-127"/>
+                <a:ea typeface="나눔바른고딕" panose="020B0603020101020101" pitchFamily="50" charset="-127"/>
+              </a:rPr>
+              <a:t>프로그램 </a:t>
+            </a:r>
+            <a:r>
+              <a:rPr lang="en-US" altLang="ko-KR" sz="4400" dirty="0">
+                <a:latin typeface="나눔바른고딕" panose="020B0603020101020101" pitchFamily="50" charset="-127"/>
+                <a:ea typeface="나눔바른고딕" panose="020B0603020101020101" pitchFamily="50" charset="-127"/>
+              </a:rPr>
+              <a:t>: </a:t>
+            </a:r>
+          </a:p>
+        </p:txBody>
+      </p:sp>
+      <p:pic>
+        <p:nvPicPr>
+          <p:cNvPr id="3076" name="Picture 4" descr="Chrome | Google Blog">
+            <a:extLst>
+              <a:ext uri="{FF2B5EF4-FFF2-40B4-BE49-F238E27FC236}">
+                <a16:creationId xmlns:a16="http://schemas.microsoft.com/office/drawing/2014/main" id="{3928FA9F-459D-4536-9969-EE1254E0F40C}"/>
+              </a:ext>
+            </a:extLst>
+          </p:cNvPr>
+          <p:cNvPicPr>
+            <a:picLocks noChangeAspect="1" noChangeArrowheads="1"/>
+          </p:cNvPicPr>
+          <p:nvPr/>
+        </p:nvPicPr>
+        <p:blipFill>
+          <a:blip r:embed="rId3">
+            <a:extLst>
+              <a:ext uri="{28A0092B-C50C-407E-A947-70E740481C1C}">
+                <a14:useLocalDpi xmlns:a14="http://schemas.microsoft.com/office/drawing/2010/main" val="0"/>
+              </a:ext>
+            </a:extLst>
+          </a:blip>
+          <a:srcRect/>
+          <a:stretch>
+            <a:fillRect/>
+          </a:stretch>
+        </p:blipFill>
+        <p:spPr bwMode="auto">
+          <a:xfrm>
+            <a:off x="9146239" y="2886356"/>
+            <a:ext cx="2143125" cy="2143125"/>
+          </a:xfrm>
+          <a:prstGeom prst="rect">
+            <a:avLst/>
+          </a:prstGeom>
+          <a:noFill/>
+          <a:extLst>
+            <a:ext uri="{909E8E84-426E-40DD-AFC4-6F175D3DCCD1}">
+              <a14:hiddenFill xmlns:a14="http://schemas.microsoft.com/office/drawing/2010/main">
+                <a:solidFill>
+                  <a:srgbClr val="FFFFFF"/>
+                </a:solidFill>
+              </a14:hiddenFill>
+            </a:ext>
+          </a:extLst>
+        </p:spPr>
+      </p:pic>
+      <p:pic>
+        <p:nvPicPr>
+          <p:cNvPr id="3078" name="Picture 6" descr="Free icons - Free vector icons - Free SVG, PSD, PNG, EPS, Ai ...">
+            <a:extLst>
+              <a:ext uri="{FF2B5EF4-FFF2-40B4-BE49-F238E27FC236}">
+                <a16:creationId xmlns:a16="http://schemas.microsoft.com/office/drawing/2014/main" id="{C333170E-45C9-47CD-91AD-2661F5CA5BB1}"/>
+              </a:ext>
+            </a:extLst>
+          </p:cNvPr>
+          <p:cNvPicPr>
+            <a:picLocks noChangeAspect="1" noChangeArrowheads="1"/>
+          </p:cNvPicPr>
+          <p:nvPr/>
+        </p:nvPicPr>
+        <p:blipFill>
+          <a:blip r:embed="rId4">
+            <a:extLst>
+              <a:ext uri="{28A0092B-C50C-407E-A947-70E740481C1C}">
+                <a14:useLocalDpi xmlns:a14="http://schemas.microsoft.com/office/drawing/2010/main" val="0"/>
+              </a:ext>
+            </a:extLst>
+          </a:blip>
+          <a:srcRect/>
+          <a:stretch>
+            <a:fillRect/>
+          </a:stretch>
+        </p:blipFill>
+        <p:spPr bwMode="auto">
+          <a:xfrm>
+            <a:off x="6495769" y="2886356"/>
+            <a:ext cx="2143125" cy="2143125"/>
+          </a:xfrm>
+          <a:prstGeom prst="rect">
+            <a:avLst/>
+          </a:prstGeom>
+          <a:noFill/>
+          <a:extLst>
+            <a:ext uri="{909E8E84-426E-40DD-AFC4-6F175D3DCCD1}">
+              <a14:hiddenFill xmlns:a14="http://schemas.microsoft.com/office/drawing/2010/main">
+                <a:solidFill>
+                  <a:srgbClr val="FFFFFF"/>
+                </a:solidFill>
+              </a14:hiddenFill>
+            </a:ext>
+          </a:extLst>
+        </p:spPr>
+      </p:pic>
+    </p:spTree>
+    <p:extLst>
+      <p:ext uri="{BB962C8B-B14F-4D97-AF65-F5344CB8AC3E}">
+        <p14:creationId xmlns:p14="http://schemas.microsoft.com/office/powerpoint/2010/main" val="330072401"/>
+      </p:ext>
+    </p:extLst>
+  </p:cSld>
+  <p:clrMapOvr>
+    <a:masterClrMapping/>
+  </p:clrMapOvr>
+  <p:timing>
+    <p:tnLst>
+      <p:par>
+        <p:cTn id="1" dur="indefinite" restart="never" nodeType="tmRoot">
+          <p:childTnLst>
+            <p:seq concurrent="1" nextAc="seek">
+              <p:cTn id="2" dur="indefinite" nodeType="mainSeq">
+                <p:childTnLst>
+                  <p:par>
+                    <p:cTn id="3" fill="hold">
+                      <p:stCondLst>
+                        <p:cond delay="indefinite"/>
+                      </p:stCondLst>
+                      <p:childTnLst>
+                        <p:par>
+                          <p:cTn id="4" fill="hold">
+                            <p:stCondLst>
+                              <p:cond delay="0"/>
+                            </p:stCondLst>
+                            <p:childTnLst>
+                              <p:par>
+                                <p:cTn id="5" presetID="1" presetClass="entr" presetSubtype="0" fill="hold" grpId="0" nodeType="clickEffect">
+                                  <p:stCondLst>
+                                    <p:cond delay="0"/>
+                                  </p:stCondLst>
+                                  <p:childTnLst>
+                                    <p:set>
+                                      <p:cBhvr>
+                                        <p:cTn id="6" dur="1" fill="hold">
+                                          <p:stCondLst>
+                                            <p:cond delay="0"/>
+                                          </p:stCondLst>
+                                        </p:cTn>
+                                        <p:tgtEl>
+                                          <p:spTgt spid="4"/>
+                                        </p:tgtEl>
+                                        <p:attrNameLst>
+                                          <p:attrName>style.visibility</p:attrName>
+                                        </p:attrNameLst>
+                                      </p:cBhvr>
+                                      <p:to>
+                                        <p:strVal val="visible"/>
+                                      </p:to>
+                                    </p:set>
+                                  </p:childTnLst>
+                                </p:cTn>
+                              </p:par>
+                            </p:childTnLst>
+                          </p:cTn>
+                        </p:par>
+                      </p:childTnLst>
+                    </p:cTn>
+                  </p:par>
+                  <p:par>
+                    <p:cTn id="7" fill="hold">
+                      <p:stCondLst>
+                        <p:cond delay="indefinite"/>
+                      </p:stCondLst>
+                      <p:childTnLst>
+                        <p:par>
+                          <p:cTn id="8" fill="hold">
+                            <p:stCondLst>
+                              <p:cond delay="0"/>
+                            </p:stCondLst>
+                            <p:childTnLst>
+                              <p:par>
+                                <p:cTn id="9" presetID="1" presetClass="entr" presetSubtype="0" fill="hold" nodeType="clickEffect">
+                                  <p:stCondLst>
+                                    <p:cond delay="0"/>
+                                  </p:stCondLst>
+                                  <p:childTnLst>
+                                    <p:set>
+                                      <p:cBhvr>
+                                        <p:cTn id="10" dur="1" fill="hold">
+                                          <p:stCondLst>
+                                            <p:cond delay="0"/>
+                                          </p:stCondLst>
+                                        </p:cTn>
+                                        <p:tgtEl>
+                                          <p:spTgt spid="3074"/>
+                                        </p:tgtEl>
+                                        <p:attrNameLst>
+                                          <p:attrName>style.visibility</p:attrName>
+                                        </p:attrNameLst>
+                                      </p:cBhvr>
+                                      <p:to>
+                                        <p:strVal val="visible"/>
+                                      </p:to>
+                                    </p:set>
+                                  </p:childTnLst>
+                                </p:cTn>
+                              </p:par>
+                            </p:childTnLst>
+                          </p:cTn>
+                        </p:par>
+                      </p:childTnLst>
+                    </p:cTn>
+                  </p:par>
+                  <p:par>
+                    <p:cTn id="11" fill="hold">
+                      <p:stCondLst>
+                        <p:cond delay="indefinite"/>
+                      </p:stCondLst>
+                      <p:childTnLst>
+                        <p:par>
+                          <p:cTn id="12" fill="hold">
+                            <p:stCondLst>
+                              <p:cond delay="0"/>
+                            </p:stCondLst>
+                            <p:childTnLst>
+                              <p:par>
+                                <p:cTn id="13" presetID="1" presetClass="entr" presetSubtype="0" fill="hold" grpId="0" nodeType="clickEffect">
+                                  <p:stCondLst>
+                                    <p:cond delay="0"/>
+                                  </p:stCondLst>
+                                  <p:childTnLst>
+                                    <p:set>
+                                      <p:cBhvr>
+                                        <p:cTn id="14" dur="1" fill="hold">
+                                          <p:stCondLst>
+                                            <p:cond delay="0"/>
+                                          </p:stCondLst>
+                                        </p:cTn>
+                                        <p:tgtEl>
+                                          <p:spTgt spid="7"/>
+                                        </p:tgtEl>
+                                        <p:attrNameLst>
+                                          <p:attrName>style.visibility</p:attrName>
+                                        </p:attrNameLst>
+                                      </p:cBhvr>
+                                      <p:to>
+                                        <p:strVal val="visible"/>
+                                      </p:to>
+                                    </p:set>
+                                  </p:childTnLst>
+                                </p:cTn>
+                              </p:par>
+                            </p:childTnLst>
+                          </p:cTn>
+                        </p:par>
+                      </p:childTnLst>
+                    </p:cTn>
+                  </p:par>
+                  <p:par>
+                    <p:cTn id="15" fill="hold">
+                      <p:stCondLst>
+                        <p:cond delay="indefinite"/>
+                      </p:stCondLst>
+                      <p:childTnLst>
+                        <p:par>
+                          <p:cTn id="16" fill="hold">
+                            <p:stCondLst>
+                              <p:cond delay="0"/>
+                            </p:stCondLst>
+                            <p:childTnLst>
+                              <p:par>
+                                <p:cTn id="17" presetID="1" presetClass="entr" presetSubtype="0" fill="hold" nodeType="clickEffect">
+                                  <p:stCondLst>
+                                    <p:cond delay="0"/>
+                                  </p:stCondLst>
+                                  <p:childTnLst>
+                                    <p:set>
+                                      <p:cBhvr>
+                                        <p:cTn id="18" dur="1" fill="hold">
+                                          <p:stCondLst>
+                                            <p:cond delay="0"/>
+                                          </p:stCondLst>
+                                        </p:cTn>
+                                        <p:tgtEl>
+                                          <p:spTgt spid="3078"/>
+                                        </p:tgtEl>
+                                        <p:attrNameLst>
+                                          <p:attrName>style.visibility</p:attrName>
+                                        </p:attrNameLst>
+                                      </p:cBhvr>
+                                      <p:to>
+                                        <p:strVal val="visible"/>
+                                      </p:to>
+                                    </p:set>
+                                  </p:childTnLst>
+                                </p:cTn>
+                              </p:par>
+                            </p:childTnLst>
+                          </p:cTn>
+                        </p:par>
+                      </p:childTnLst>
+                    </p:cTn>
+                  </p:par>
+                  <p:par>
+                    <p:cTn id="19" fill="hold">
+                      <p:stCondLst>
+                        <p:cond delay="indefinite"/>
+                      </p:stCondLst>
+                      <p:childTnLst>
+                        <p:par>
+                          <p:cTn id="20" fill="hold">
+                            <p:stCondLst>
+                              <p:cond delay="0"/>
+                            </p:stCondLst>
+                            <p:childTnLst>
+                              <p:par>
+                                <p:cTn id="21" presetID="1" presetClass="entr" presetSubtype="0" fill="hold" nodeType="clickEffect">
+                                  <p:stCondLst>
+                                    <p:cond delay="0"/>
+                                  </p:stCondLst>
+                                  <p:childTnLst>
+                                    <p:set>
+                                      <p:cBhvr>
+                                        <p:cTn id="22" dur="1" fill="hold">
+                                          <p:stCondLst>
+                                            <p:cond delay="0"/>
+                                          </p:stCondLst>
+                                        </p:cTn>
+                                        <p:tgtEl>
+                                          <p:spTgt spid="3076"/>
+                                        </p:tgtEl>
+                                        <p:attrNameLst>
+                                          <p:attrName>style.visibility</p:attrName>
+                                        </p:attrNameLst>
+                                      </p:cBhvr>
+                                      <p:to>
+                                        <p:strVal val="visible"/>
+                                      </p:to>
+                                    </p:set>
+                                  </p:childTnLst>
+                                </p:cTn>
+                              </p:par>
+                            </p:childTnLst>
+                          </p:cTn>
+                        </p:par>
+                      </p:childTnLst>
+                    </p:cTn>
+                  </p:par>
+                </p:childTnLst>
+              </p:cTn>
+              <p:prevCondLst>
+                <p:cond evt="onPrev" delay="0">
+                  <p:tgtEl>
+                    <p:sldTgt/>
+                  </p:tgtEl>
+                </p:cond>
+              </p:prevCondLst>
+              <p:nextCondLst>
+                <p:cond evt="onNext" delay="0">
+                  <p:tgtEl>
+                    <p:sldTgt/>
+                  </p:tgtEl>
+                </p:cond>
+              </p:nextCondLst>
+            </p:seq>
+          </p:childTnLst>
+        </p:cTn>
+      </p:par>
+    </p:tnLst>
+    <p:bldLst>
+      <p:bldP spid="4" grpId="0"/>
+      <p:bldP spid="7" grpId="0"/>
+    </p:bldLst>
+  </p:timing>
+</p:sld>
+</file>
+
+<file path=ppt/slides/slide5.xml><?xml version="1.0" encoding="utf-8"?>
+<p:sld xmlns:a="http://schemas.openxmlformats.org/drawingml/2006/main" xmlns:r="http://schemas.openxmlformats.org/officeDocument/2006/relationships" xmlns:p="http://schemas.openxmlformats.org/presentationml/2006/main">
+  <p:cSld>
+    <p:spTree>
+      <p:nvGrpSpPr>
+        <p:cNvPr id="1" name=""/>
+        <p:cNvGrpSpPr/>
+        <p:nvPr/>
+      </p:nvGrpSpPr>
+      <p:grpSpPr>
+        <a:xfrm>
+          <a:off x="0" y="0"/>
+          <a:ext cx="0" cy="0"/>
+          <a:chOff x="0" y="0"/>
+          <a:chExt cx="0" cy="0"/>
+        </a:xfrm>
+      </p:grpSpPr>
+      <p:pic>
+        <p:nvPicPr>
+          <p:cNvPr id="7" name="그림 6">
+            <a:extLst>
+              <a:ext uri="{FF2B5EF4-FFF2-40B4-BE49-F238E27FC236}">
+                <a16:creationId xmlns:a16="http://schemas.microsoft.com/office/drawing/2014/main" id="{E3F9FE22-9BEA-4471-83D8-DC8B892F85D0}"/>
+              </a:ext>
+            </a:extLst>
+          </p:cNvPr>
+          <p:cNvPicPr>
+            <a:picLocks noChangeAspect="1"/>
+          </p:cNvPicPr>
+          <p:nvPr/>
+        </p:nvPicPr>
+        <p:blipFill>
+          <a:blip r:embed="rId2"/>
+          <a:stretch>
+            <a:fillRect/>
+          </a:stretch>
+        </p:blipFill>
+        <p:spPr>
+          <a:xfrm>
+            <a:off x="1337107" y="311956"/>
+            <a:ext cx="4515480" cy="5839640"/>
+          </a:xfrm>
+          <a:prstGeom prst="rect">
+            <a:avLst/>
+          </a:prstGeom>
+        </p:spPr>
+      </p:pic>
+      <p:pic>
+        <p:nvPicPr>
+          <p:cNvPr id="8" name="그림 7">
+            <a:extLst>
+              <a:ext uri="{FF2B5EF4-FFF2-40B4-BE49-F238E27FC236}">
+                <a16:creationId xmlns:a16="http://schemas.microsoft.com/office/drawing/2014/main" id="{EABA6852-4510-4DBB-99CA-F463889C17C1}"/>
+              </a:ext>
+            </a:extLst>
+          </p:cNvPr>
+          <p:cNvPicPr>
+            <a:picLocks noChangeAspect="1"/>
+          </p:cNvPicPr>
+          <p:nvPr/>
+        </p:nvPicPr>
+        <p:blipFill>
+          <a:blip r:embed="rId3"/>
+          <a:stretch>
+            <a:fillRect/>
+          </a:stretch>
+        </p:blipFill>
+        <p:spPr>
+          <a:xfrm>
+            <a:off x="4378891" y="1550894"/>
+            <a:ext cx="2425319" cy="4716337"/>
+          </a:xfrm>
+          <a:prstGeom prst="rect">
+            <a:avLst/>
+          </a:prstGeom>
+        </p:spPr>
+      </p:pic>
+      <p:pic>
+        <p:nvPicPr>
+          <p:cNvPr id="9" name="그림 8">
+            <a:extLst>
+              <a:ext uri="{FF2B5EF4-FFF2-40B4-BE49-F238E27FC236}">
+                <a16:creationId xmlns:a16="http://schemas.microsoft.com/office/drawing/2014/main" id="{84D3CAB1-F279-4361-B23C-451EC908646B}"/>
+              </a:ext>
+            </a:extLst>
+          </p:cNvPr>
+          <p:cNvPicPr>
+            <a:picLocks noChangeAspect="1"/>
+          </p:cNvPicPr>
+          <p:nvPr/>
+        </p:nvPicPr>
+        <p:blipFill>
+          <a:blip r:embed="rId4"/>
+          <a:stretch>
+            <a:fillRect/>
+          </a:stretch>
+        </p:blipFill>
+        <p:spPr>
+          <a:xfrm>
+            <a:off x="6804210" y="2892780"/>
+            <a:ext cx="1595719" cy="216087"/>
+          </a:xfrm>
+          <a:prstGeom prst="rect">
+            <a:avLst/>
+          </a:prstGeom>
+        </p:spPr>
+      </p:pic>
+    </p:spTree>
+    <p:extLst>
+      <p:ext uri="{BB962C8B-B14F-4D97-AF65-F5344CB8AC3E}">
+        <p14:creationId xmlns:p14="http://schemas.microsoft.com/office/powerpoint/2010/main" val="3592019771"/>
+      </p:ext>
+    </p:extLst>
+  </p:cSld>
+  <p:clrMapOvr>
+    <a:masterClrMapping/>
+  </p:clrMapOvr>
+  <p:timing>
+    <p:tnLst>
+      <p:par>
+        <p:cTn id="1" dur="indefinite" restart="never" nodeType="tmRoot">
+          <p:childTnLst>
+            <p:seq concurrent="1" nextAc="seek">
+              <p:cTn id="2" dur="indefinite" nodeType="mainSeq">
+                <p:childTnLst>
+                  <p:par>
+                    <p:cTn id="3" fill="hold">
+                      <p:stCondLst>
+                        <p:cond delay="indefinite"/>
+                      </p:stCondLst>
+                      <p:childTnLst>
+                        <p:par>
+                          <p:cTn id="4" fill="hold">
+                            <p:stCondLst>
+                              <p:cond delay="0"/>
+                            </p:stCondLst>
+                            <p:childTnLst>
+                              <p:par>
+                                <p:cTn id="5" presetID="1" presetClass="entr" presetSubtype="0" fill="hold" nodeType="clickEffect">
+                                  <p:stCondLst>
+                                    <p:cond delay="0"/>
+                                  </p:stCondLst>
+                                  <p:childTnLst>
+                                    <p:set>
+                                      <p:cBhvr>
+                                        <p:cTn id="6" dur="1" fill="hold">
+                                          <p:stCondLst>
+                                            <p:cond delay="0"/>
+                                          </p:stCondLst>
+                                        </p:cTn>
+                                        <p:tgtEl>
+                                          <p:spTgt spid="7"/>
+                                        </p:tgtEl>
+                                        <p:attrNameLst>
+                                          <p:attrName>style.visibility</p:attrName>
+                                        </p:attrNameLst>
+                                      </p:cBhvr>
+                                      <p:to>
+                                        <p:strVal val="visible"/>
+                                      </p:to>
+                                    </p:set>
+                                  </p:childTnLst>
+                                </p:cTn>
+                              </p:par>
+                            </p:childTnLst>
+                          </p:cTn>
+                        </p:par>
+                      </p:childTnLst>
+                    </p:cTn>
+                  </p:par>
+                  <p:par>
+                    <p:cTn id="7" fill="hold">
+                      <p:stCondLst>
+                        <p:cond delay="indefinite"/>
+                      </p:stCondLst>
+                      <p:childTnLst>
+                        <p:par>
+                          <p:cTn id="8" fill="hold">
+                            <p:stCondLst>
+                              <p:cond delay="0"/>
+                            </p:stCondLst>
+                            <p:childTnLst>
+                              <p:par>
+                                <p:cTn id="9" presetID="1" presetClass="entr" presetSubtype="0" fill="hold" nodeType="clickEffect">
+                                  <p:stCondLst>
+                                    <p:cond delay="0"/>
+                                  </p:stCondLst>
+                                  <p:childTnLst>
+                                    <p:set>
+                                      <p:cBhvr>
+                                        <p:cTn id="10" dur="1" fill="hold">
+                                          <p:stCondLst>
+                                            <p:cond delay="0"/>
+                                          </p:stCondLst>
+                                        </p:cTn>
+                                        <p:tgtEl>
+                                          <p:spTgt spid="8"/>
+                                        </p:tgtEl>
+                                        <p:attrNameLst>
+                                          <p:attrName>style.visibility</p:attrName>
+                                        </p:attrNameLst>
+                                      </p:cBhvr>
+                                      <p:to>
+                                        <p:strVal val="visible"/>
+                                      </p:to>
+                                    </p:set>
+                                  </p:childTnLst>
+                                </p:cTn>
+                              </p:par>
+                            </p:childTnLst>
+                          </p:cTn>
+                        </p:par>
+                      </p:childTnLst>
+                    </p:cTn>
+                  </p:par>
+                  <p:par>
+                    <p:cTn id="11" fill="hold">
+                      <p:stCondLst>
+                        <p:cond delay="indefinite"/>
+                      </p:stCondLst>
+                      <p:childTnLst>
+                        <p:par>
+                          <p:cTn id="12" fill="hold">
+                            <p:stCondLst>
+                              <p:cond delay="0"/>
+                            </p:stCondLst>
+                            <p:childTnLst>
+                              <p:par>
+                                <p:cTn id="13" presetID="1" presetClass="entr" presetSubtype="0" fill="hold" nodeType="clickEffect">
+                                  <p:stCondLst>
+                                    <p:cond delay="0"/>
+                                  </p:stCondLst>
+                                  <p:childTnLst>
+                                    <p:set>
+                                      <p:cBhvr>
+                                        <p:cTn id="14" dur="1" fill="hold">
+                                          <p:stCondLst>
+                                            <p:cond delay="0"/>
+                                          </p:stCondLst>
+                                        </p:cTn>
+                                        <p:tgtEl>
+                                          <p:spTgt spid="9"/>
+                                        </p:tgtEl>
+                                        <p:attrNameLst>
+                                          <p:attrName>style.visibility</p:attrName>
+                                        </p:attrNameLst>
+                                      </p:cBhvr>
+                                      <p:to>
+                                        <p:strVal val="visible"/>
+                                      </p:to>
+                                    </p:set>
+                                  </p:childTnLst>
+                                </p:cTn>
+                              </p:par>
+                            </p:childTnLst>
+                          </p:cTn>
+                        </p:par>
+                      </p:childTnLst>
+                    </p:cTn>
+                  </p:par>
+                </p:childTnLst>
+              </p:cTn>
+              <p:prevCondLst>
+                <p:cond evt="onPrev" delay="0">
+                  <p:tgtEl>
+                    <p:sldTgt/>
+                  </p:tgtEl>
+                </p:cond>
+              </p:prevCondLst>
+              <p:nextCondLst>
+                <p:cond evt="onNext" delay="0">
+                  <p:tgtEl>
+                    <p:sldTgt/>
+                  </p:tgtEl>
+                </p:cond>
+              </p:nextCondLst>
+            </p:seq>
+          </p:childTnLst>
+        </p:cTn>
+      </p:par>
+    </p:tnLst>
+  </p:timing>
+</p:sld>
+</file>
+
+<file path=ppt/slides/slide6.xml><?xml version="1.0" encoding="utf-8"?>
+<p:sld xmlns:a="http://schemas.openxmlformats.org/drawingml/2006/main" xmlns:r="http://schemas.openxmlformats.org/officeDocument/2006/relationships" xmlns:p="http://schemas.openxmlformats.org/presentationml/2006/main">
+  <p:cSld>
+    <p:spTree>
+      <p:nvGrpSpPr>
+        <p:cNvPr id="1" name=""/>
+        <p:cNvGrpSpPr/>
+        <p:nvPr/>
+      </p:nvGrpSpPr>
+      <p:grpSpPr>
+        <a:xfrm>
+          <a:off x="0" y="0"/>
+          <a:ext cx="0" cy="0"/>
+          <a:chOff x="0" y="0"/>
+          <a:chExt cx="0" cy="0"/>
+        </a:xfrm>
+      </p:grpSpPr>
+      <p:pic>
+        <p:nvPicPr>
+          <p:cNvPr id="5" name="그림 4">
+            <a:extLst>
+              <a:ext uri="{FF2B5EF4-FFF2-40B4-BE49-F238E27FC236}">
+                <a16:creationId xmlns:a16="http://schemas.microsoft.com/office/drawing/2014/main" id="{3B6989C5-EE2C-4ED0-9831-E307DDBF41B8}"/>
+              </a:ext>
+            </a:extLst>
+          </p:cNvPr>
+          <p:cNvPicPr>
+            <a:picLocks noChangeAspect="1"/>
+          </p:cNvPicPr>
+          <p:nvPr/>
+        </p:nvPicPr>
+        <p:blipFill>
+          <a:blip r:embed="rId2"/>
+          <a:stretch>
+            <a:fillRect/>
+          </a:stretch>
+        </p:blipFill>
+        <p:spPr>
+          <a:xfrm>
+            <a:off x="1661493" y="460759"/>
+            <a:ext cx="8869013" cy="5201376"/>
+          </a:xfrm>
+          <a:prstGeom prst="rect">
+            <a:avLst/>
+          </a:prstGeom>
+        </p:spPr>
+      </p:pic>
+      <p:pic>
+        <p:nvPicPr>
+          <p:cNvPr id="7" name="그림 6">
+            <a:extLst>
+              <a:ext uri="{FF2B5EF4-FFF2-40B4-BE49-F238E27FC236}">
+                <a16:creationId xmlns:a16="http://schemas.microsoft.com/office/drawing/2014/main" id="{82CC2110-923A-47ED-A109-7701A543C374}"/>
+              </a:ext>
+            </a:extLst>
+          </p:cNvPr>
+          <p:cNvPicPr>
+            <a:picLocks noChangeAspect="1"/>
+          </p:cNvPicPr>
+          <p:nvPr/>
+        </p:nvPicPr>
+        <p:blipFill>
+          <a:blip r:embed="rId3"/>
+          <a:stretch>
+            <a:fillRect/>
+          </a:stretch>
+        </p:blipFill>
+        <p:spPr>
+          <a:xfrm>
+            <a:off x="8887557" y="1543767"/>
+            <a:ext cx="1552792" cy="1762371"/>
+          </a:xfrm>
+          <a:prstGeom prst="rect">
+            <a:avLst/>
+          </a:prstGeom>
+        </p:spPr>
+      </p:pic>
+      <p:pic>
+        <p:nvPicPr>
+          <p:cNvPr id="11" name="그림 10">
+            <a:extLst>
+              <a:ext uri="{FF2B5EF4-FFF2-40B4-BE49-F238E27FC236}">
+                <a16:creationId xmlns:a16="http://schemas.microsoft.com/office/drawing/2014/main" id="{D4181BD9-4B9C-43F8-A055-4D55ADD99CD5}"/>
+              </a:ext>
+            </a:extLst>
+          </p:cNvPr>
+          <p:cNvPicPr>
+            <a:picLocks noChangeAspect="1"/>
+          </p:cNvPicPr>
+          <p:nvPr/>
+        </p:nvPicPr>
+        <p:blipFill>
+          <a:blip r:embed="rId4"/>
+          <a:stretch>
+            <a:fillRect/>
+          </a:stretch>
+        </p:blipFill>
+        <p:spPr>
+          <a:xfrm>
+            <a:off x="3816115" y="1989592"/>
+            <a:ext cx="704948" cy="171474"/>
+          </a:xfrm>
+          <a:prstGeom prst="rect">
+            <a:avLst/>
+          </a:prstGeom>
+        </p:spPr>
+      </p:pic>
+      <p:pic>
+        <p:nvPicPr>
+          <p:cNvPr id="10" name="그림 9">
+            <a:extLst>
+              <a:ext uri="{FF2B5EF4-FFF2-40B4-BE49-F238E27FC236}">
+                <a16:creationId xmlns:a16="http://schemas.microsoft.com/office/drawing/2014/main" id="{B06FDEF8-2D3E-43A5-AE00-1DF9A56AC7A8}"/>
+              </a:ext>
+            </a:extLst>
+          </p:cNvPr>
+          <p:cNvPicPr>
+            <a:picLocks noChangeAspect="1"/>
+          </p:cNvPicPr>
+          <p:nvPr/>
+        </p:nvPicPr>
+        <p:blipFill>
+          <a:blip r:embed="rId5"/>
+          <a:stretch>
+            <a:fillRect/>
+          </a:stretch>
+        </p:blipFill>
+        <p:spPr>
+          <a:xfrm>
+            <a:off x="4168589" y="2075329"/>
+            <a:ext cx="6681861" cy="3731060"/>
+          </a:xfrm>
+          <a:prstGeom prst="rect">
+            <a:avLst/>
+          </a:prstGeom>
+        </p:spPr>
+      </p:pic>
+    </p:spTree>
+    <p:extLst>
+      <p:ext uri="{BB962C8B-B14F-4D97-AF65-F5344CB8AC3E}">
+        <p14:creationId xmlns:p14="http://schemas.microsoft.com/office/powerpoint/2010/main" val="3606595553"/>
+      </p:ext>
+    </p:extLst>
+  </p:cSld>
+  <p:clrMapOvr>
+    <a:masterClrMapping/>
+  </p:clrMapOvr>
+  <p:timing>
+    <p:tnLst>
+      <p:par>
+        <p:cTn id="1" dur="indefinite" restart="never" nodeType="tmRoot">
+          <p:childTnLst>
+            <p:seq concurrent="1" nextAc="seek">
+              <p:cTn id="2" dur="indefinite" nodeType="mainSeq">
+                <p:childTnLst>
+                  <p:par>
+                    <p:cTn id="3" fill="hold">
+                      <p:stCondLst>
+                        <p:cond delay="indefinite"/>
+                      </p:stCondLst>
+                      <p:childTnLst>
+                        <p:par>
+                          <p:cTn id="4" fill="hold">
+                            <p:stCondLst>
+                              <p:cond delay="0"/>
+                            </p:stCondLst>
+                            <p:childTnLst>
+                              <p:par>
+                                <p:cTn id="5" presetID="1" presetClass="entr" presetSubtype="0" fill="hold" nodeType="clickEffect">
+                                  <p:stCondLst>
+                                    <p:cond delay="0"/>
+                                  </p:stCondLst>
+                                  <p:childTnLst>
+                                    <p:set>
+                                      <p:cBhvr>
+                                        <p:cTn id="6" dur="1" fill="hold">
+                                          <p:stCondLst>
+                                            <p:cond delay="0"/>
+                                          </p:stCondLst>
+                                        </p:cTn>
+                                        <p:tgtEl>
+                                          <p:spTgt spid="5"/>
+                                        </p:tgtEl>
+                                        <p:attrNameLst>
+                                          <p:attrName>style.visibility</p:attrName>
+                                        </p:attrNameLst>
+                                      </p:cBhvr>
+                                      <p:to>
+                                        <p:strVal val="visible"/>
+                                      </p:to>
+                                    </p:set>
+                                  </p:childTnLst>
+                                </p:cTn>
+                              </p:par>
+                            </p:childTnLst>
+                          </p:cTn>
+                        </p:par>
+                      </p:childTnLst>
+                    </p:cTn>
+                  </p:par>
+                  <p:par>
+                    <p:cTn id="7" fill="hold">
+                      <p:stCondLst>
+                        <p:cond delay="indefinite"/>
+                      </p:stCondLst>
+                      <p:childTnLst>
+                        <p:par>
+                          <p:cTn id="8" fill="hold">
+                            <p:stCondLst>
+                              <p:cond delay="0"/>
+                            </p:stCondLst>
+                            <p:childTnLst>
+                              <p:par>
+                                <p:cTn id="9" presetID="1" presetClass="entr" presetSubtype="0" fill="hold" nodeType="clickEffect">
+                                  <p:stCondLst>
+                                    <p:cond delay="0"/>
+                                  </p:stCondLst>
+                                  <p:childTnLst>
+                                    <p:set>
+                                      <p:cBhvr>
+                                        <p:cTn id="10" dur="1" fill="hold">
+                                          <p:stCondLst>
+                                            <p:cond delay="0"/>
+                                          </p:stCondLst>
+                                        </p:cTn>
+                                        <p:tgtEl>
+                                          <p:spTgt spid="7"/>
+                                        </p:tgtEl>
+                                        <p:attrNameLst>
+                                          <p:attrName>style.visibility</p:attrName>
+                                        </p:attrNameLst>
+                                      </p:cBhvr>
+                                      <p:to>
+                                        <p:strVal val="visible"/>
+                                      </p:to>
+                                    </p:set>
+                                  </p:childTnLst>
+                                </p:cTn>
+                              </p:par>
+                              <p:par>
+                                <p:cTn id="11" presetID="1" presetClass="entr" presetSubtype="0" fill="hold" nodeType="withEffect">
+                                  <p:stCondLst>
+                                    <p:cond delay="0"/>
+                                  </p:stCondLst>
+                                  <p:childTnLst>
+                                    <p:set>
+                                      <p:cBhvr>
+                                        <p:cTn id="12" dur="1" fill="hold">
+                                          <p:stCondLst>
+                                            <p:cond delay="0"/>
+                                          </p:stCondLst>
+                                        </p:cTn>
+                                        <p:tgtEl>
+                                          <p:spTgt spid="11"/>
+                                        </p:tgtEl>
+                                        <p:attrNameLst>
+                                          <p:attrName>style.visibility</p:attrName>
+                                        </p:attrNameLst>
+                                      </p:cBhvr>
+                                      <p:to>
+                                        <p:strVal val="visible"/>
+                                      </p:to>
+                                    </p:set>
+                                  </p:childTnLst>
+                                </p:cTn>
+                              </p:par>
+                            </p:childTnLst>
+                          </p:cTn>
+                        </p:par>
+                      </p:childTnLst>
+                    </p:cTn>
+                  </p:par>
+                  <p:par>
+                    <p:cTn id="13" fill="hold">
+                      <p:stCondLst>
+                        <p:cond delay="indefinite"/>
+                      </p:stCondLst>
+                      <p:childTnLst>
+                        <p:par>
+                          <p:cTn id="14" fill="hold">
+                            <p:stCondLst>
+                              <p:cond delay="0"/>
+                            </p:stCondLst>
+                            <p:childTnLst>
+                              <p:par>
+                                <p:cTn id="15" presetID="1" presetClass="entr" presetSubtype="0" fill="hold" nodeType="clickEffect">
+                                  <p:stCondLst>
+                                    <p:cond delay="0"/>
+                                  </p:stCondLst>
+                                  <p:childTnLst>
+                                    <p:set>
+                                      <p:cBhvr>
+                                        <p:cTn id="16" dur="1" fill="hold">
+                                          <p:stCondLst>
+                                            <p:cond delay="0"/>
+                                          </p:stCondLst>
+                                        </p:cTn>
+                                        <p:tgtEl>
+                                          <p:spTgt spid="10"/>
+                                        </p:tgtEl>
+                                        <p:attrNameLst>
+                                          <p:attrName>style.visibility</p:attrName>
+                                        </p:attrNameLst>
+                                      </p:cBhvr>
+                                      <p:to>
+                                        <p:strVal val="visible"/>
+                                      </p:to>
+                                    </p:set>
+                                  </p:childTnLst>
+                                </p:cTn>
+                              </p:par>
+                            </p:childTnLst>
+                          </p:cTn>
+                        </p:par>
+                      </p:childTnLst>
+                    </p:cTn>
+                  </p:par>
+                </p:childTnLst>
+              </p:cTn>
+              <p:prevCondLst>
+                <p:cond evt="onPrev" delay="0">
+                  <p:tgtEl>
+                    <p:sldTgt/>
+                  </p:tgtEl>
+                </p:cond>
+              </p:prevCondLst>
+              <p:nextCondLst>
+                <p:cond evt="onNext" delay="0">
+                  <p:tgtEl>
+                    <p:sldTgt/>
+                  </p:tgtEl>
+                </p:cond>
+              </p:nextCondLst>
+            </p:seq>
+          </p:childTnLst>
+        </p:cTn>
+      </p:par>
+    </p:tnLst>
+  </p:timing>
+</p:sld>
+</file>
+
+<file path=ppt/slides/slide7.xml><?xml version="1.0" encoding="utf-8"?>
+<p:sld xmlns:a="http://schemas.openxmlformats.org/drawingml/2006/main" xmlns:r="http://schemas.openxmlformats.org/officeDocument/2006/relationships" xmlns:p="http://schemas.openxmlformats.org/presentationml/2006/main">
+  <p:cSld>
+    <p:spTree>
+      <p:nvGrpSpPr>
+        <p:cNvPr id="1" name=""/>
+        <p:cNvGrpSpPr/>
+        <p:nvPr/>
+      </p:nvGrpSpPr>
+      <p:grpSpPr>
+        <a:xfrm>
+          <a:off x="0" y="0"/>
+          <a:ext cx="0" cy="0"/>
+          <a:chOff x="0" y="0"/>
+          <a:chExt cx="0" cy="0"/>
+        </a:xfrm>
+      </p:grpSpPr>
+      <p:pic>
+        <p:nvPicPr>
+          <p:cNvPr id="4" name="그림 3">
+            <a:extLst>
+              <a:ext uri="{FF2B5EF4-FFF2-40B4-BE49-F238E27FC236}">
+                <a16:creationId xmlns:a16="http://schemas.microsoft.com/office/drawing/2014/main" id="{DCD2A235-99E7-44C9-ACAB-47952030EBF7}"/>
+              </a:ext>
+            </a:extLst>
+          </p:cNvPr>
+          <p:cNvPicPr>
+            <a:picLocks noChangeAspect="1"/>
+          </p:cNvPicPr>
+          <p:nvPr/>
+        </p:nvPicPr>
+        <p:blipFill>
+          <a:blip r:embed="rId2"/>
+          <a:stretch>
+            <a:fillRect/>
+          </a:stretch>
+        </p:blipFill>
+        <p:spPr>
+          <a:xfrm>
+            <a:off x="1699960" y="1244313"/>
+            <a:ext cx="4036349" cy="1597499"/>
+          </a:xfrm>
+          <a:prstGeom prst="rect">
+            <a:avLst/>
+          </a:prstGeom>
+        </p:spPr>
+      </p:pic>
+      <p:pic>
+        <p:nvPicPr>
+          <p:cNvPr id="5" name="그림 4">
+            <a:extLst>
+              <a:ext uri="{FF2B5EF4-FFF2-40B4-BE49-F238E27FC236}">
+                <a16:creationId xmlns:a16="http://schemas.microsoft.com/office/drawing/2014/main" id="{2B62E195-F9F8-47FD-9BF7-AB89355736A9}"/>
+              </a:ext>
+            </a:extLst>
+          </p:cNvPr>
+          <p:cNvPicPr>
+            <a:picLocks noChangeAspect="1"/>
+          </p:cNvPicPr>
+          <p:nvPr/>
+        </p:nvPicPr>
+        <p:blipFill>
+          <a:blip r:embed="rId3"/>
+          <a:stretch>
+            <a:fillRect/>
+          </a:stretch>
+        </p:blipFill>
+        <p:spPr>
+          <a:xfrm>
+            <a:off x="1727294" y="1424707"/>
+            <a:ext cx="1473962" cy="1901199"/>
+          </a:xfrm>
+          <a:prstGeom prst="rect">
+            <a:avLst/>
+          </a:prstGeom>
+        </p:spPr>
+      </p:pic>
+      <p:pic>
+        <p:nvPicPr>
+          <p:cNvPr id="6" name="그림 5">
+            <a:extLst>
+              <a:ext uri="{FF2B5EF4-FFF2-40B4-BE49-F238E27FC236}">
+                <a16:creationId xmlns:a16="http://schemas.microsoft.com/office/drawing/2014/main" id="{D0C51242-40A4-459D-A298-3B0933EBDB8D}"/>
+              </a:ext>
+            </a:extLst>
+          </p:cNvPr>
+          <p:cNvPicPr>
+            <a:picLocks noChangeAspect="1"/>
+          </p:cNvPicPr>
+          <p:nvPr/>
+        </p:nvPicPr>
+        <p:blipFill>
+          <a:blip r:embed="rId4"/>
+          <a:stretch>
+            <a:fillRect/>
+          </a:stretch>
+        </p:blipFill>
+        <p:spPr>
+          <a:xfrm>
+            <a:off x="863486" y="2149028"/>
+            <a:ext cx="11002911" cy="3734321"/>
+          </a:xfrm>
+          <a:prstGeom prst="rect">
+            <a:avLst/>
+          </a:prstGeom>
+        </p:spPr>
+      </p:pic>
+    </p:spTree>
+    <p:extLst>
+      <p:ext uri="{BB962C8B-B14F-4D97-AF65-F5344CB8AC3E}">
+        <p14:creationId xmlns:p14="http://schemas.microsoft.com/office/powerpoint/2010/main" val="3614419555"/>
+      </p:ext>
+    </p:extLst>
+  </p:cSld>
+  <p:clrMapOvr>
+    <a:masterClrMapping/>
+  </p:clrMapOvr>
+  <p:timing>
+    <p:tnLst>
+      <p:par>
+        <p:cTn id="1" dur="indefinite" restart="never" nodeType="tmRoot">
+          <p:childTnLst>
+            <p:seq concurrent="1" nextAc="seek">
+              <p:cTn id="2" dur="indefinite" nodeType="mainSeq">
+                <p:childTnLst>
+                  <p:par>
+                    <p:cTn id="3" fill="hold">
+                      <p:stCondLst>
+                        <p:cond delay="indefinite"/>
+                      </p:stCondLst>
+                      <p:childTnLst>
+                        <p:par>
+                          <p:cTn id="4" fill="hold">
+                            <p:stCondLst>
+                              <p:cond delay="0"/>
+                            </p:stCondLst>
+                            <p:childTnLst>
+                              <p:par>
+                                <p:cTn id="5" presetID="1" presetClass="entr" presetSubtype="0" fill="hold" nodeType="clickEffect">
+                                  <p:stCondLst>
+                                    <p:cond delay="0"/>
+                                  </p:stCondLst>
+                                  <p:childTnLst>
+                                    <p:set>
+                                      <p:cBhvr>
+                                        <p:cTn id="6" dur="1" fill="hold">
+                                          <p:stCondLst>
+                                            <p:cond delay="0"/>
+                                          </p:stCondLst>
+                                        </p:cTn>
+                                        <p:tgtEl>
+                                          <p:spTgt spid="4"/>
+                                        </p:tgtEl>
+                                        <p:attrNameLst>
+                                          <p:attrName>style.visibility</p:attrName>
+                                        </p:attrNameLst>
+                                      </p:cBhvr>
+                                      <p:to>
+                                        <p:strVal val="visible"/>
+                                      </p:to>
+                                    </p:set>
+                                  </p:childTnLst>
+                                </p:cTn>
+                              </p:par>
+                            </p:childTnLst>
+                          </p:cTn>
+                        </p:par>
+                      </p:childTnLst>
+                    </p:cTn>
+                  </p:par>
+                  <p:par>
+                    <p:cTn id="7" fill="hold">
+                      <p:stCondLst>
+                        <p:cond delay="indefinite"/>
+                      </p:stCondLst>
+                      <p:childTnLst>
+                        <p:par>
+                          <p:cTn id="8" fill="hold">
+                            <p:stCondLst>
+                              <p:cond delay="0"/>
+                            </p:stCondLst>
+                            <p:childTnLst>
+                              <p:par>
+                                <p:cTn id="9" presetID="1" presetClass="entr" presetSubtype="0" fill="hold" nodeType="clickEffect">
+                                  <p:stCondLst>
+                                    <p:cond delay="0"/>
+                                  </p:stCondLst>
+                                  <p:childTnLst>
+                                    <p:set>
+                                      <p:cBhvr>
+                                        <p:cTn id="10" dur="1" fill="hold">
+                                          <p:stCondLst>
+                                            <p:cond delay="0"/>
+                                          </p:stCondLst>
+                                        </p:cTn>
+                                        <p:tgtEl>
+                                          <p:spTgt spid="5"/>
+                                        </p:tgtEl>
+                                        <p:attrNameLst>
+                                          <p:attrName>style.visibility</p:attrName>
+                                        </p:attrNameLst>
+                                      </p:cBhvr>
+                                      <p:to>
+                                        <p:strVal val="visible"/>
+                                      </p:to>
+                                    </p:set>
+                                  </p:childTnLst>
+                                </p:cTn>
+                              </p:par>
+                            </p:childTnLst>
+                          </p:cTn>
+                        </p:par>
+                      </p:childTnLst>
+                    </p:cTn>
+                  </p:par>
+                  <p:par>
+                    <p:cTn id="11" fill="hold">
+                      <p:stCondLst>
+                        <p:cond delay="indefinite"/>
+                      </p:stCondLst>
+                      <p:childTnLst>
+                        <p:par>
+                          <p:cTn id="12" fill="hold">
+                            <p:stCondLst>
+                              <p:cond delay="0"/>
+                            </p:stCondLst>
+                            <p:childTnLst>
+                              <p:par>
+                                <p:cTn id="13" presetID="1" presetClass="entr" presetSubtype="0" fill="hold" nodeType="clickEffect">
+                                  <p:stCondLst>
+                                    <p:cond delay="0"/>
+                                  </p:stCondLst>
+                                  <p:childTnLst>
+                                    <p:set>
+                                      <p:cBhvr>
+                                        <p:cTn id="14" dur="1" fill="hold">
+                                          <p:stCondLst>
+                                            <p:cond delay="0"/>
+                                          </p:stCondLst>
+                                        </p:cTn>
+                                        <p:tgtEl>
+                                          <p:spTgt spid="6"/>
+                                        </p:tgtEl>
+                                        <p:attrNameLst>
+                                          <p:attrName>style.visibility</p:attrName>
+                                        </p:attrNameLst>
+                                      </p:cBhvr>
+                                      <p:to>
+                                        <p:strVal val="visible"/>
+                                      </p:to>
+                                    </p:set>
+                                  </p:childTnLst>
+                                </p:cTn>
+                              </p:par>
+                            </p:childTnLst>
+                          </p:cTn>
+                        </p:par>
+                      </p:childTnLst>
+                    </p:cTn>
+                  </p:par>
+                </p:childTnLst>
+              </p:cTn>
+              <p:prevCondLst>
+                <p:cond evt="onPrev" delay="0">
+                  <p:tgtEl>
+                    <p:sldTgt/>
+                  </p:tgtEl>
+                </p:cond>
+              </p:prevCondLst>
+              <p:nextCondLst>
+                <p:cond evt="onNext" delay="0">
+                  <p:tgtEl>
+                    <p:sldTgt/>
+                  </p:tgtEl>
+                </p:cond>
+              </p:nextCondLst>
+            </p:seq>
+          </p:childTnLst>
+        </p:cTn>
+      </p:par>
+    </p:tnLst>
+  </p:timing>
 </p:sld>
 </file>
 
